--- a/Nhóm 11 - Website bán sách.pptx
+++ b/Nhóm 11 - Website bán sách.pptx
@@ -6,7 +6,7 @@
     <p:sldMasterId id="2147483661" r:id="rId2"/>
   </p:sldMasterIdLst>
   <p:notesMasterIdLst>
-    <p:notesMasterId r:id="rId12"/>
+    <p:notesMasterId r:id="rId11"/>
   </p:notesMasterIdLst>
   <p:sldIdLst>
     <p:sldId id="256" r:id="rId3"/>
@@ -17,7 +17,6 @@
     <p:sldId id="263" r:id="rId8"/>
     <p:sldId id="264" r:id="rId9"/>
     <p:sldId id="265" r:id="rId10"/>
-    <p:sldId id="266" r:id="rId11"/>
   </p:sldIdLst>
   <p:sldSz cx="9144000" cy="5143500" type="screen16x9"/>
   <p:notesSz cx="6858000" cy="9144000"/>
@@ -1467,131 +1466,6 @@
     <p:extLst>
       <p:ext uri="{BB962C8B-B14F-4D97-AF65-F5344CB8AC3E}">
         <p14:creationId xmlns:p14="http://schemas.microsoft.com/office/powerpoint/2010/main" val="1861019687"/>
-      </p:ext>
-    </p:extLst>
-  </p:cSld>
-  <p:clrMapOvr>
-    <a:masterClrMapping/>
-  </p:clrMapOvr>
-</p:notes>
-</file>
-
-<file path=ppt/notesSlides/notesSlide8.xml><?xml version="1.0" encoding="utf-8"?>
-<p:notes xmlns:a="http://schemas.openxmlformats.org/drawingml/2006/main" xmlns:r="http://schemas.openxmlformats.org/officeDocument/2006/relationships" xmlns:p="http://schemas.openxmlformats.org/presentationml/2006/main" showMasterSp="0" showMasterPhAnim="0">
-  <p:cSld>
-    <p:spTree>
-      <p:nvGrpSpPr>
-        <p:cNvPr id="1" name="Shape 130"/>
-        <p:cNvGrpSpPr/>
-        <p:nvPr/>
-      </p:nvGrpSpPr>
-      <p:grpSpPr>
-        <a:xfrm>
-          <a:off x="0" y="0"/>
-          <a:ext cx="0" cy="0"/>
-          <a:chOff x="0" y="0"/>
-          <a:chExt cx="0" cy="0"/>
-        </a:xfrm>
-      </p:grpSpPr>
-      <p:sp>
-        <p:nvSpPr>
-          <p:cNvPr id="131" name="Shape 131"/>
-          <p:cNvSpPr>
-            <a:spLocks noGrp="1" noRot="1" noChangeAspect="1"/>
-          </p:cNvSpPr>
-          <p:nvPr>
-            <p:ph type="sldImg" idx="2"/>
-          </p:nvPr>
-        </p:nvSpPr>
-        <p:spPr>
-          <a:xfrm>
-            <a:off x="381000" y="685800"/>
-            <a:ext cx="6096000" cy="3429000"/>
-          </a:xfrm>
-          <a:custGeom>
-            <a:avLst/>
-            <a:gdLst/>
-            <a:ahLst/>
-            <a:cxnLst/>
-            <a:rect l="0" t="0" r="0" b="0"/>
-            <a:pathLst>
-              <a:path w="120000" h="120000" extrusionOk="0">
-                <a:moveTo>
-                  <a:pt x="0" y="0"/>
-                </a:moveTo>
-                <a:lnTo>
-                  <a:pt x="120000" y="0"/>
-                </a:lnTo>
-                <a:lnTo>
-                  <a:pt x="120000" y="120000"/>
-                </a:lnTo>
-                <a:lnTo>
-                  <a:pt x="0" y="120000"/>
-                </a:lnTo>
-                <a:close/>
-              </a:path>
-            </a:pathLst>
-          </a:custGeom>
-        </p:spPr>
-      </p:sp>
-      <p:sp>
-        <p:nvSpPr>
-          <p:cNvPr id="132" name="Shape 132"/>
-          <p:cNvSpPr txBox="1">
-            <a:spLocks noGrp="1"/>
-          </p:cNvSpPr>
-          <p:nvPr>
-            <p:ph type="body" idx="1"/>
-          </p:nvPr>
-        </p:nvSpPr>
-        <p:spPr>
-          <a:xfrm>
-            <a:off x="685800" y="4343400"/>
-            <a:ext cx="5486400" cy="4114800"/>
-          </a:xfrm>
-          <a:prstGeom prst="rect">
-            <a:avLst/>
-          </a:prstGeom>
-        </p:spPr>
-        <p:txBody>
-          <a:bodyPr wrap="square" lIns="91425" tIns="91425" rIns="91425" bIns="91425" anchor="t" anchorCtr="0">
-            <a:noAutofit/>
-          </a:bodyPr>
-          <a:lstStyle/>
-          <a:p>
-            <a:pPr marL="0" marR="0" lvl="0" indent="0" algn="l" defTabSz="914400" rtl="0" eaLnBrk="1" fontAlgn="auto" latinLnBrk="0" hangingPunct="1">
-              <a:lnSpc>
-                <a:spcPct val="100000"/>
-              </a:lnSpc>
-              <a:spcBef>
-                <a:spcPts val="0"/>
-              </a:spcBef>
-              <a:spcAft>
-                <a:spcPts val="0"/>
-              </a:spcAft>
-              <a:buClrTx/>
-              <a:buSzPts val="1400"/>
-              <a:buFontTx/>
-              <a:buNone/>
-              <a:tabLst/>
-              <a:defRPr/>
-            </a:pPr>
-            <a:r>
-              <a:rPr lang="en-US" dirty="0" smtClean="0"/>
-              <a:t>There are some reference</a:t>
-            </a:r>
-            <a:r>
-              <a:rPr lang="en-US" baseline="0" dirty="0" smtClean="0"/>
-              <a:t> links for your information.</a:t>
-            </a:r>
-            <a:endParaRPr lang="en-US" dirty="0" smtClean="0"/>
-          </a:p>
-        </p:txBody>
-      </p:sp>
-    </p:spTree>
-    <p:extLst>
-      <p:ext uri="{BB962C8B-B14F-4D97-AF65-F5344CB8AC3E}">
-        <p14:creationId xmlns:p14="http://schemas.microsoft.com/office/powerpoint/2010/main" val="2264857571"/>
       </p:ext>
     </p:extLst>
   </p:cSld>
@@ -7318,19 +7192,8 @@
                 <a:latin typeface="Arial" pitchFamily="34" charset="0"/>
                 <a:cs typeface="Arial" pitchFamily="34" charset="0"/>
               </a:rPr>
-              <a:t> – </a:t>
-            </a:r>
-            <a:r>
-              <a:rPr lang="en-US" altLang="ko-KR" sz="1900" dirty="0" smtClean="0">
-                <a:latin typeface="Arial" pitchFamily="34" charset="0"/>
-                <a:cs typeface="Arial" pitchFamily="34" charset="0"/>
-              </a:rPr>
-              <a:t>20153583</a:t>
-            </a:r>
-            <a:endParaRPr lang="en-US" altLang="ko-KR" sz="1900" dirty="0" smtClean="0">
-              <a:latin typeface="Arial" pitchFamily="34" charset="0"/>
-              <a:cs typeface="Arial" pitchFamily="34" charset="0"/>
-            </a:endParaRPr>
+              <a:t> – 20153583</a:t>
+            </a:r>
           </a:p>
           <a:p>
             <a:pPr lvl="1">
@@ -7390,19 +7253,8 @@
                 <a:latin typeface="Arial" pitchFamily="34" charset="0"/>
                 <a:cs typeface="Arial" pitchFamily="34" charset="0"/>
               </a:rPr>
-              <a:t>– </a:t>
-            </a:r>
-            <a:r>
-              <a:rPr lang="en-US" altLang="ko-KR" sz="1900" dirty="0" smtClean="0">
-                <a:latin typeface="Arial" pitchFamily="34" charset="0"/>
-                <a:cs typeface="Arial" pitchFamily="34" charset="0"/>
-              </a:rPr>
-              <a:t>20151094</a:t>
-            </a:r>
-            <a:endParaRPr lang="en-US" altLang="ko-KR" sz="1900" dirty="0" smtClean="0">
-              <a:latin typeface="Arial" pitchFamily="34" charset="0"/>
-              <a:cs typeface="Arial" pitchFamily="34" charset="0"/>
-            </a:endParaRPr>
+              <a:t>– 20151094</a:t>
+            </a:r>
           </a:p>
           <a:p>
             <a:pPr lvl="1">
@@ -8827,7 +8679,7 @@
           <p:cNvPr id="3" name="Shape 204">
             <a:extLst>
               <a:ext uri="{FF2B5EF4-FFF2-40B4-BE49-F238E27FC236}">
-                <a16:creationId xmlns="" xmlns:a16="http://schemas.microsoft.com/office/drawing/2014/main" id="{CF7E8C87-5521-4185-83D8-039D20662A9D}"/>
+                <a16:creationId xmlns:a16="http://schemas.microsoft.com/office/drawing/2014/main" xmlns="" id="{CF7E8C87-5521-4185-83D8-039D20662A9D}"/>
               </a:ext>
             </a:extLst>
           </p:cNvPr>
@@ -13026,7 +12878,7 @@
           <p:cNvPr id="21" name="Shape 204">
             <a:extLst>
               <a:ext uri="{FF2B5EF4-FFF2-40B4-BE49-F238E27FC236}">
-                <a16:creationId xmlns="" xmlns:a16="http://schemas.microsoft.com/office/drawing/2014/main" id="{CF7E8C87-5521-4185-83D8-039D20662A9D}"/>
+                <a16:creationId xmlns:a16="http://schemas.microsoft.com/office/drawing/2014/main" xmlns="" id="{CF7E8C87-5521-4185-83D8-039D20662A9D}"/>
               </a:ext>
             </a:extLst>
           </p:cNvPr>
@@ -14518,7 +14370,7 @@
           <p:cNvPr id="21" name="Shape 204">
             <a:extLst>
               <a:ext uri="{FF2B5EF4-FFF2-40B4-BE49-F238E27FC236}">
-                <a16:creationId xmlns="" xmlns:a16="http://schemas.microsoft.com/office/drawing/2014/main" id="{CF7E8C87-5521-4185-83D8-039D20662A9D}"/>
+                <a16:creationId xmlns:a16="http://schemas.microsoft.com/office/drawing/2014/main" xmlns="" id="{CF7E8C87-5521-4185-83D8-039D20662A9D}"/>
               </a:ext>
             </a:extLst>
           </p:cNvPr>
@@ -15149,7 +15001,7 @@
           <p:cNvPr id="21" name="Shape 204">
             <a:extLst>
               <a:ext uri="{FF2B5EF4-FFF2-40B4-BE49-F238E27FC236}">
-                <a16:creationId xmlns="" xmlns:a16="http://schemas.microsoft.com/office/drawing/2014/main" id="{CF7E8C87-5521-4185-83D8-039D20662A9D}"/>
+                <a16:creationId xmlns:a16="http://schemas.microsoft.com/office/drawing/2014/main" xmlns="" id="{CF7E8C87-5521-4185-83D8-039D20662A9D}"/>
               </a:ext>
             </a:extLst>
           </p:cNvPr>
@@ -17595,7 +17447,7 @@
           <p:cNvPr id="21" name="Shape 204">
             <a:extLst>
               <a:ext uri="{FF2B5EF4-FFF2-40B4-BE49-F238E27FC236}">
-                <a16:creationId xmlns="" xmlns:a16="http://schemas.microsoft.com/office/drawing/2014/main" id="{CF7E8C87-5521-4185-83D8-039D20662A9D}"/>
+                <a16:creationId xmlns:a16="http://schemas.microsoft.com/office/drawing/2014/main" xmlns="" id="{CF7E8C87-5521-4185-83D8-039D20662A9D}"/>
               </a:ext>
             </a:extLst>
           </p:cNvPr>
@@ -19683,7 +19535,7 @@
           <p:cNvPr id="21" name="Shape 204">
             <a:extLst>
               <a:ext uri="{FF2B5EF4-FFF2-40B4-BE49-F238E27FC236}">
-                <a16:creationId xmlns="" xmlns:a16="http://schemas.microsoft.com/office/drawing/2014/main" id="{CF7E8C87-5521-4185-83D8-039D20662A9D}"/>
+                <a16:creationId xmlns:a16="http://schemas.microsoft.com/office/drawing/2014/main" xmlns="" id="{CF7E8C87-5521-4185-83D8-039D20662A9D}"/>
               </a:ext>
             </a:extLst>
           </p:cNvPr>
@@ -21151,1061 +21003,6 @@
     <p:extLst>
       <p:ext uri="{BB962C8B-B14F-4D97-AF65-F5344CB8AC3E}">
         <p14:creationId xmlns:p14="http://schemas.microsoft.com/office/powerpoint/2010/main" val="3292083082"/>
-      </p:ext>
-    </p:extLst>
-  </p:cSld>
-  <p:clrMapOvr>
-    <a:masterClrMapping/>
-  </p:clrMapOvr>
-  <p:transition spd="slow">
-    <p:wipe/>
-  </p:transition>
-  <p:timing>
-    <p:tnLst>
-      <p:par>
-        <p:cTn id="1" dur="indefinite" restart="never" nodeType="tmRoot"/>
-      </p:par>
-    </p:tnLst>
-  </p:timing>
-</p:sld>
-</file>
-
-<file path=ppt/slides/slide9.xml><?xml version="1.0" encoding="utf-8"?>
-<p:sld xmlns:a="http://schemas.openxmlformats.org/drawingml/2006/main" xmlns:r="http://schemas.openxmlformats.org/officeDocument/2006/relationships" xmlns:p="http://schemas.openxmlformats.org/presentationml/2006/main">
-  <p:cSld>
-    <p:spTree>
-      <p:nvGrpSpPr>
-        <p:cNvPr id="1" name="Shape 133"/>
-        <p:cNvGrpSpPr/>
-        <p:nvPr/>
-      </p:nvGrpSpPr>
-      <p:grpSpPr>
-        <a:xfrm>
-          <a:off x="0" y="0"/>
-          <a:ext cx="0" cy="0"/>
-          <a:chOff x="0" y="0"/>
-          <a:chExt cx="0" cy="0"/>
-        </a:xfrm>
-      </p:grpSpPr>
-      <p:sp>
-        <p:nvSpPr>
-          <p:cNvPr id="10" name="Shape 609"/>
-          <p:cNvSpPr/>
-          <p:nvPr/>
-        </p:nvSpPr>
-        <p:spPr>
-          <a:xfrm>
-            <a:off x="8184691" y="339969"/>
-            <a:ext cx="662324" cy="647605"/>
-          </a:xfrm>
-          <a:custGeom>
-            <a:avLst/>
-            <a:gdLst/>
-            <a:ahLst/>
-            <a:cxnLst/>
-            <a:rect l="0" t="0" r="0" b="0"/>
-            <a:pathLst>
-              <a:path w="16266" h="16267" extrusionOk="0">
-                <a:moveTo>
-                  <a:pt x="11503" y="5349"/>
-                </a:moveTo>
-                <a:lnTo>
-                  <a:pt x="11650" y="5398"/>
-                </a:lnTo>
-                <a:lnTo>
-                  <a:pt x="11796" y="5447"/>
-                </a:lnTo>
-                <a:lnTo>
-                  <a:pt x="11919" y="5545"/>
-                </a:lnTo>
-                <a:lnTo>
-                  <a:pt x="12065" y="5691"/>
-                </a:lnTo>
-                <a:lnTo>
-                  <a:pt x="12163" y="5838"/>
-                </a:lnTo>
-                <a:lnTo>
-                  <a:pt x="12212" y="6033"/>
-                </a:lnTo>
-                <a:lnTo>
-                  <a:pt x="12236" y="6229"/>
-                </a:lnTo>
-                <a:lnTo>
-                  <a:pt x="12236" y="6375"/>
-                </a:lnTo>
-                <a:lnTo>
-                  <a:pt x="12187" y="6522"/>
-                </a:lnTo>
-                <a:lnTo>
-                  <a:pt x="12138" y="6644"/>
-                </a:lnTo>
-                <a:lnTo>
-                  <a:pt x="12041" y="6766"/>
-                </a:lnTo>
-                <a:lnTo>
-                  <a:pt x="7938" y="10893"/>
-                </a:lnTo>
-                <a:lnTo>
-                  <a:pt x="7816" y="11015"/>
-                </a:lnTo>
-                <a:lnTo>
-                  <a:pt x="7645" y="11113"/>
-                </a:lnTo>
-                <a:lnTo>
-                  <a:pt x="7474" y="11186"/>
-                </a:lnTo>
-                <a:lnTo>
-                  <a:pt x="7303" y="11211"/>
-                </a:lnTo>
-                <a:lnTo>
-                  <a:pt x="7083" y="11211"/>
-                </a:lnTo>
-                <a:lnTo>
-                  <a:pt x="6912" y="11162"/>
-                </a:lnTo>
-                <a:lnTo>
-                  <a:pt x="6765" y="11064"/>
-                </a:lnTo>
-                <a:lnTo>
-                  <a:pt x="6619" y="10967"/>
-                </a:lnTo>
-                <a:lnTo>
-                  <a:pt x="4567" y="8915"/>
-                </a:lnTo>
-                <a:lnTo>
-                  <a:pt x="4470" y="8769"/>
-                </a:lnTo>
-                <a:lnTo>
-                  <a:pt x="4372" y="8622"/>
-                </a:lnTo>
-                <a:lnTo>
-                  <a:pt x="4323" y="8451"/>
-                </a:lnTo>
-                <a:lnTo>
-                  <a:pt x="4323" y="8280"/>
-                </a:lnTo>
-                <a:lnTo>
-                  <a:pt x="4323" y="8109"/>
-                </a:lnTo>
-                <a:lnTo>
-                  <a:pt x="4372" y="7938"/>
-                </a:lnTo>
-                <a:lnTo>
-                  <a:pt x="4470" y="7792"/>
-                </a:lnTo>
-                <a:lnTo>
-                  <a:pt x="4567" y="7670"/>
-                </a:lnTo>
-                <a:lnTo>
-                  <a:pt x="4714" y="7547"/>
-                </a:lnTo>
-                <a:lnTo>
-                  <a:pt x="4860" y="7474"/>
-                </a:lnTo>
-                <a:lnTo>
-                  <a:pt x="5031" y="7425"/>
-                </a:lnTo>
-                <a:lnTo>
-                  <a:pt x="5202" y="7401"/>
-                </a:lnTo>
-                <a:lnTo>
-                  <a:pt x="5373" y="7425"/>
-                </a:lnTo>
-                <a:lnTo>
-                  <a:pt x="5520" y="7474"/>
-                </a:lnTo>
-                <a:lnTo>
-                  <a:pt x="5691" y="7547"/>
-                </a:lnTo>
-                <a:lnTo>
-                  <a:pt x="5813" y="7670"/>
-                </a:lnTo>
-                <a:lnTo>
-                  <a:pt x="7181" y="9013"/>
-                </a:lnTo>
-                <a:lnTo>
-                  <a:pt x="10673" y="5667"/>
-                </a:lnTo>
-                <a:lnTo>
-                  <a:pt x="10820" y="5520"/>
-                </a:lnTo>
-                <a:lnTo>
-                  <a:pt x="10991" y="5423"/>
-                </a:lnTo>
-                <a:lnTo>
-                  <a:pt x="11161" y="5374"/>
-                </a:lnTo>
-                <a:lnTo>
-                  <a:pt x="11357" y="5349"/>
-                </a:lnTo>
-                <a:close/>
-                <a:moveTo>
-                  <a:pt x="7718" y="1"/>
-                </a:moveTo>
-                <a:lnTo>
-                  <a:pt x="7303" y="50"/>
-                </a:lnTo>
-                <a:lnTo>
-                  <a:pt x="6887" y="98"/>
-                </a:lnTo>
-                <a:lnTo>
-                  <a:pt x="6497" y="172"/>
-                </a:lnTo>
-                <a:lnTo>
-                  <a:pt x="6106" y="245"/>
-                </a:lnTo>
-                <a:lnTo>
-                  <a:pt x="5715" y="367"/>
-                </a:lnTo>
-                <a:lnTo>
-                  <a:pt x="5349" y="489"/>
-                </a:lnTo>
-                <a:lnTo>
-                  <a:pt x="4958" y="636"/>
-                </a:lnTo>
-                <a:lnTo>
-                  <a:pt x="4616" y="807"/>
-                </a:lnTo>
-                <a:lnTo>
-                  <a:pt x="4250" y="978"/>
-                </a:lnTo>
-                <a:lnTo>
-                  <a:pt x="3908" y="1173"/>
-                </a:lnTo>
-                <a:lnTo>
-                  <a:pt x="3590" y="1393"/>
-                </a:lnTo>
-                <a:lnTo>
-                  <a:pt x="3273" y="1613"/>
-                </a:lnTo>
-                <a:lnTo>
-                  <a:pt x="2955" y="1857"/>
-                </a:lnTo>
-                <a:lnTo>
-                  <a:pt x="2662" y="2125"/>
-                </a:lnTo>
-                <a:lnTo>
-                  <a:pt x="2394" y="2394"/>
-                </a:lnTo>
-                <a:lnTo>
-                  <a:pt x="2125" y="2663"/>
-                </a:lnTo>
-                <a:lnTo>
-                  <a:pt x="1856" y="2956"/>
-                </a:lnTo>
-                <a:lnTo>
-                  <a:pt x="1612" y="3273"/>
-                </a:lnTo>
-                <a:lnTo>
-                  <a:pt x="1392" y="3591"/>
-                </a:lnTo>
-                <a:lnTo>
-                  <a:pt x="1172" y="3908"/>
-                </a:lnTo>
-                <a:lnTo>
-                  <a:pt x="977" y="4250"/>
-                </a:lnTo>
-                <a:lnTo>
-                  <a:pt x="806" y="4617"/>
-                </a:lnTo>
-                <a:lnTo>
-                  <a:pt x="635" y="4959"/>
-                </a:lnTo>
-                <a:lnTo>
-                  <a:pt x="489" y="5349"/>
-                </a:lnTo>
-                <a:lnTo>
-                  <a:pt x="366" y="5716"/>
-                </a:lnTo>
-                <a:lnTo>
-                  <a:pt x="244" y="6106"/>
-                </a:lnTo>
-                <a:lnTo>
-                  <a:pt x="171" y="6497"/>
-                </a:lnTo>
-                <a:lnTo>
-                  <a:pt x="98" y="6888"/>
-                </a:lnTo>
-                <a:lnTo>
-                  <a:pt x="49" y="7303"/>
-                </a:lnTo>
-                <a:lnTo>
-                  <a:pt x="0" y="7718"/>
-                </a:lnTo>
-                <a:lnTo>
-                  <a:pt x="0" y="8134"/>
-                </a:lnTo>
-                <a:lnTo>
-                  <a:pt x="0" y="8549"/>
-                </a:lnTo>
-                <a:lnTo>
-                  <a:pt x="49" y="8964"/>
-                </a:lnTo>
-                <a:lnTo>
-                  <a:pt x="98" y="9379"/>
-                </a:lnTo>
-                <a:lnTo>
-                  <a:pt x="171" y="9770"/>
-                </a:lnTo>
-                <a:lnTo>
-                  <a:pt x="244" y="10161"/>
-                </a:lnTo>
-                <a:lnTo>
-                  <a:pt x="366" y="10551"/>
-                </a:lnTo>
-                <a:lnTo>
-                  <a:pt x="489" y="10918"/>
-                </a:lnTo>
-                <a:lnTo>
-                  <a:pt x="635" y="11309"/>
-                </a:lnTo>
-                <a:lnTo>
-                  <a:pt x="806" y="11650"/>
-                </a:lnTo>
-                <a:lnTo>
-                  <a:pt x="977" y="12017"/>
-                </a:lnTo>
-                <a:lnTo>
-                  <a:pt x="1172" y="12359"/>
-                </a:lnTo>
-                <a:lnTo>
-                  <a:pt x="1392" y="12676"/>
-                </a:lnTo>
-                <a:lnTo>
-                  <a:pt x="1612" y="12994"/>
-                </a:lnTo>
-                <a:lnTo>
-                  <a:pt x="1856" y="13311"/>
-                </a:lnTo>
-                <a:lnTo>
-                  <a:pt x="2125" y="13604"/>
-                </a:lnTo>
-                <a:lnTo>
-                  <a:pt x="2394" y="13873"/>
-                </a:lnTo>
-                <a:lnTo>
-                  <a:pt x="2662" y="14142"/>
-                </a:lnTo>
-                <a:lnTo>
-                  <a:pt x="2955" y="14410"/>
-                </a:lnTo>
-                <a:lnTo>
-                  <a:pt x="3273" y="14655"/>
-                </a:lnTo>
-                <a:lnTo>
-                  <a:pt x="3590" y="14874"/>
-                </a:lnTo>
-                <a:lnTo>
-                  <a:pt x="3908" y="15094"/>
-                </a:lnTo>
-                <a:lnTo>
-                  <a:pt x="4250" y="15290"/>
-                </a:lnTo>
-                <a:lnTo>
-                  <a:pt x="4616" y="15460"/>
-                </a:lnTo>
-                <a:lnTo>
-                  <a:pt x="4958" y="15631"/>
-                </a:lnTo>
-                <a:lnTo>
-                  <a:pt x="5349" y="15778"/>
-                </a:lnTo>
-                <a:lnTo>
-                  <a:pt x="5715" y="15900"/>
-                </a:lnTo>
-                <a:lnTo>
-                  <a:pt x="6106" y="16022"/>
-                </a:lnTo>
-                <a:lnTo>
-                  <a:pt x="6497" y="16095"/>
-                </a:lnTo>
-                <a:lnTo>
-                  <a:pt x="6887" y="16169"/>
-                </a:lnTo>
-                <a:lnTo>
-                  <a:pt x="7303" y="16218"/>
-                </a:lnTo>
-                <a:lnTo>
-                  <a:pt x="7718" y="16266"/>
-                </a:lnTo>
-                <a:lnTo>
-                  <a:pt x="8548" y="16266"/>
-                </a:lnTo>
-                <a:lnTo>
-                  <a:pt x="8963" y="16218"/>
-                </a:lnTo>
-                <a:lnTo>
-                  <a:pt x="9379" y="16169"/>
-                </a:lnTo>
-                <a:lnTo>
-                  <a:pt x="9769" y="16095"/>
-                </a:lnTo>
-                <a:lnTo>
-                  <a:pt x="10160" y="16022"/>
-                </a:lnTo>
-                <a:lnTo>
-                  <a:pt x="10551" y="15900"/>
-                </a:lnTo>
-                <a:lnTo>
-                  <a:pt x="10942" y="15778"/>
-                </a:lnTo>
-                <a:lnTo>
-                  <a:pt x="11308" y="15631"/>
-                </a:lnTo>
-                <a:lnTo>
-                  <a:pt x="11650" y="15460"/>
-                </a:lnTo>
-                <a:lnTo>
-                  <a:pt x="12016" y="15290"/>
-                </a:lnTo>
-                <a:lnTo>
-                  <a:pt x="12358" y="15094"/>
-                </a:lnTo>
-                <a:lnTo>
-                  <a:pt x="12676" y="14874"/>
-                </a:lnTo>
-                <a:lnTo>
-                  <a:pt x="12993" y="14655"/>
-                </a:lnTo>
-                <a:lnTo>
-                  <a:pt x="13311" y="14410"/>
-                </a:lnTo>
-                <a:lnTo>
-                  <a:pt x="13604" y="14142"/>
-                </a:lnTo>
-                <a:lnTo>
-                  <a:pt x="13872" y="13873"/>
-                </a:lnTo>
-                <a:lnTo>
-                  <a:pt x="14166" y="13604"/>
-                </a:lnTo>
-                <a:lnTo>
-                  <a:pt x="14410" y="13311"/>
-                </a:lnTo>
-                <a:lnTo>
-                  <a:pt x="14654" y="12994"/>
-                </a:lnTo>
-                <a:lnTo>
-                  <a:pt x="14874" y="12676"/>
-                </a:lnTo>
-                <a:lnTo>
-                  <a:pt x="15094" y="12359"/>
-                </a:lnTo>
-                <a:lnTo>
-                  <a:pt x="15289" y="12017"/>
-                </a:lnTo>
-                <a:lnTo>
-                  <a:pt x="15460" y="11650"/>
-                </a:lnTo>
-                <a:lnTo>
-                  <a:pt x="15631" y="11309"/>
-                </a:lnTo>
-                <a:lnTo>
-                  <a:pt x="15777" y="10918"/>
-                </a:lnTo>
-                <a:lnTo>
-                  <a:pt x="15900" y="10551"/>
-                </a:lnTo>
-                <a:lnTo>
-                  <a:pt x="16022" y="10161"/>
-                </a:lnTo>
-                <a:lnTo>
-                  <a:pt x="16095" y="9770"/>
-                </a:lnTo>
-                <a:lnTo>
-                  <a:pt x="16168" y="9379"/>
-                </a:lnTo>
-                <a:lnTo>
-                  <a:pt x="16217" y="8964"/>
-                </a:lnTo>
-                <a:lnTo>
-                  <a:pt x="16266" y="8549"/>
-                </a:lnTo>
-                <a:lnTo>
-                  <a:pt x="16266" y="8134"/>
-                </a:lnTo>
-                <a:lnTo>
-                  <a:pt x="16266" y="7718"/>
-                </a:lnTo>
-                <a:lnTo>
-                  <a:pt x="16217" y="7303"/>
-                </a:lnTo>
-                <a:lnTo>
-                  <a:pt x="16168" y="6888"/>
-                </a:lnTo>
-                <a:lnTo>
-                  <a:pt x="16095" y="6497"/>
-                </a:lnTo>
-                <a:lnTo>
-                  <a:pt x="16022" y="6106"/>
-                </a:lnTo>
-                <a:lnTo>
-                  <a:pt x="15900" y="5716"/>
-                </a:lnTo>
-                <a:lnTo>
-                  <a:pt x="15777" y="5349"/>
-                </a:lnTo>
-                <a:lnTo>
-                  <a:pt x="15631" y="4959"/>
-                </a:lnTo>
-                <a:lnTo>
-                  <a:pt x="15460" y="4617"/>
-                </a:lnTo>
-                <a:lnTo>
-                  <a:pt x="15289" y="4250"/>
-                </a:lnTo>
-                <a:lnTo>
-                  <a:pt x="15094" y="3908"/>
-                </a:lnTo>
-                <a:lnTo>
-                  <a:pt x="14874" y="3591"/>
-                </a:lnTo>
-                <a:lnTo>
-                  <a:pt x="14654" y="3273"/>
-                </a:lnTo>
-                <a:lnTo>
-                  <a:pt x="14410" y="2956"/>
-                </a:lnTo>
-                <a:lnTo>
-                  <a:pt x="14166" y="2663"/>
-                </a:lnTo>
-                <a:lnTo>
-                  <a:pt x="13872" y="2394"/>
-                </a:lnTo>
-                <a:lnTo>
-                  <a:pt x="13604" y="2125"/>
-                </a:lnTo>
-                <a:lnTo>
-                  <a:pt x="13311" y="1857"/>
-                </a:lnTo>
-                <a:lnTo>
-                  <a:pt x="12993" y="1613"/>
-                </a:lnTo>
-                <a:lnTo>
-                  <a:pt x="12676" y="1393"/>
-                </a:lnTo>
-                <a:lnTo>
-                  <a:pt x="12358" y="1173"/>
-                </a:lnTo>
-                <a:lnTo>
-                  <a:pt x="12016" y="978"/>
-                </a:lnTo>
-                <a:lnTo>
-                  <a:pt x="11650" y="807"/>
-                </a:lnTo>
-                <a:lnTo>
-                  <a:pt x="11308" y="636"/>
-                </a:lnTo>
-                <a:lnTo>
-                  <a:pt x="10942" y="489"/>
-                </a:lnTo>
-                <a:lnTo>
-                  <a:pt x="10551" y="367"/>
-                </a:lnTo>
-                <a:lnTo>
-                  <a:pt x="10160" y="245"/>
-                </a:lnTo>
-                <a:lnTo>
-                  <a:pt x="9769" y="172"/>
-                </a:lnTo>
-                <a:lnTo>
-                  <a:pt x="9379" y="98"/>
-                </a:lnTo>
-                <a:lnTo>
-                  <a:pt x="8963" y="50"/>
-                </a:lnTo>
-                <a:lnTo>
-                  <a:pt x="8548" y="1"/>
-                </a:lnTo>
-                <a:close/>
-              </a:path>
-            </a:pathLst>
-          </a:custGeom>
-          <a:solidFill>
-            <a:srgbClr val="FFB600"/>
-          </a:solidFill>
-          <a:ln>
-            <a:noFill/>
-          </a:ln>
-        </p:spPr>
-        <p:txBody>
-          <a:bodyPr wrap="square" lIns="68569" tIns="68569" rIns="68569" bIns="68569" anchor="ctr" anchorCtr="0">
-            <a:noAutofit/>
-          </a:bodyPr>
-          <a:lstStyle/>
-          <a:p>
-            <a:endParaRPr sz="1050">
-              <a:latin typeface="Montserrat" panose="00000500000000000000" pitchFamily="2" charset="0"/>
-            </a:endParaRPr>
-          </a:p>
-        </p:txBody>
-      </p:sp>
-      <p:sp>
-        <p:nvSpPr>
-          <p:cNvPr id="9" name="Shape 101"/>
-          <p:cNvSpPr txBox="1">
-            <a:spLocks/>
-          </p:cNvSpPr>
-          <p:nvPr/>
-        </p:nvSpPr>
-        <p:spPr>
-          <a:xfrm>
-            <a:off x="2836550" y="576504"/>
-            <a:ext cx="3959919" cy="643050"/>
-          </a:xfrm>
-          <a:prstGeom prst="rect">
-            <a:avLst/>
-          </a:prstGeom>
-          <a:noFill/>
-          <a:ln>
-            <a:noFill/>
-          </a:ln>
-        </p:spPr>
-        <p:txBody>
-          <a:bodyPr wrap="square" lIns="68569" tIns="68569" rIns="68569" bIns="68569" anchor="t" anchorCtr="0">
-            <a:noAutofit/>
-          </a:bodyPr>
-          <a:lstStyle>
-            <a:defPPr marR="0" lvl="0" algn="l" rtl="0">
-              <a:lnSpc>
-                <a:spcPct val="100000"/>
-              </a:lnSpc>
-              <a:spcBef>
-                <a:spcPts val="0"/>
-              </a:spcBef>
-              <a:spcAft>
-                <a:spcPts val="0"/>
-              </a:spcAft>
-            </a:defPPr>
-            <a:lvl1pPr marR="0" lvl="0" algn="l" rtl="0">
-              <a:lnSpc>
-                <a:spcPct val="100000"/>
-              </a:lnSpc>
-              <a:spcBef>
-                <a:spcPts val="0"/>
-              </a:spcBef>
-              <a:spcAft>
-                <a:spcPts val="0"/>
-              </a:spcAft>
-              <a:buClr>
-                <a:srgbClr val="434343"/>
-              </a:buClr>
-              <a:buSzPts val="5800"/>
-              <a:buFont typeface="Raleway ExtraBold"/>
-              <a:buNone/>
-              <a:defRPr sz="5800" b="0" i="0" u="none" strike="noStrike" cap="none">
-                <a:solidFill>
-                  <a:srgbClr val="434343"/>
-                </a:solidFill>
-                <a:latin typeface="Montserrat" panose="00000500000000000000" pitchFamily="2" charset="0"/>
-                <a:ea typeface="Raleway ExtraBold"/>
-                <a:cs typeface="Raleway ExtraBold"/>
-                <a:sym typeface="Raleway ExtraBold"/>
-              </a:defRPr>
-            </a:lvl1pPr>
-            <a:lvl2pPr lvl="1">
-              <a:spcBef>
-                <a:spcPts val="0"/>
-              </a:spcBef>
-              <a:buClr>
-                <a:srgbClr val="434343"/>
-              </a:buClr>
-              <a:buSzPts val="5800"/>
-              <a:buFont typeface="Raleway ExtraBold"/>
-              <a:buNone/>
-              <a:defRPr sz="5800">
-                <a:solidFill>
-                  <a:srgbClr val="434343"/>
-                </a:solidFill>
-                <a:latin typeface="Raleway ExtraBold"/>
-                <a:ea typeface="Raleway ExtraBold"/>
-                <a:cs typeface="Raleway ExtraBold"/>
-                <a:sym typeface="Raleway ExtraBold"/>
-              </a:defRPr>
-            </a:lvl2pPr>
-            <a:lvl3pPr lvl="2">
-              <a:spcBef>
-                <a:spcPts val="0"/>
-              </a:spcBef>
-              <a:buClr>
-                <a:srgbClr val="434343"/>
-              </a:buClr>
-              <a:buSzPts val="5800"/>
-              <a:buFont typeface="Raleway ExtraBold"/>
-              <a:buNone/>
-              <a:defRPr sz="5800">
-                <a:solidFill>
-                  <a:srgbClr val="434343"/>
-                </a:solidFill>
-                <a:latin typeface="Raleway ExtraBold"/>
-                <a:ea typeface="Raleway ExtraBold"/>
-                <a:cs typeface="Raleway ExtraBold"/>
-                <a:sym typeface="Raleway ExtraBold"/>
-              </a:defRPr>
-            </a:lvl3pPr>
-            <a:lvl4pPr lvl="3">
-              <a:spcBef>
-                <a:spcPts val="0"/>
-              </a:spcBef>
-              <a:buClr>
-                <a:srgbClr val="434343"/>
-              </a:buClr>
-              <a:buSzPts val="5800"/>
-              <a:buFont typeface="Raleway ExtraBold"/>
-              <a:buNone/>
-              <a:defRPr sz="5800">
-                <a:solidFill>
-                  <a:srgbClr val="434343"/>
-                </a:solidFill>
-                <a:latin typeface="Raleway ExtraBold"/>
-                <a:ea typeface="Raleway ExtraBold"/>
-                <a:cs typeface="Raleway ExtraBold"/>
-                <a:sym typeface="Raleway ExtraBold"/>
-              </a:defRPr>
-            </a:lvl4pPr>
-            <a:lvl5pPr lvl="4">
-              <a:spcBef>
-                <a:spcPts val="0"/>
-              </a:spcBef>
-              <a:buClr>
-                <a:srgbClr val="434343"/>
-              </a:buClr>
-              <a:buSzPts val="5800"/>
-              <a:buFont typeface="Raleway ExtraBold"/>
-              <a:buNone/>
-              <a:defRPr sz="5800">
-                <a:solidFill>
-                  <a:srgbClr val="434343"/>
-                </a:solidFill>
-                <a:latin typeface="Raleway ExtraBold"/>
-                <a:ea typeface="Raleway ExtraBold"/>
-                <a:cs typeface="Raleway ExtraBold"/>
-                <a:sym typeface="Raleway ExtraBold"/>
-              </a:defRPr>
-            </a:lvl5pPr>
-            <a:lvl6pPr lvl="5">
-              <a:spcBef>
-                <a:spcPts val="0"/>
-              </a:spcBef>
-              <a:buClr>
-                <a:srgbClr val="434343"/>
-              </a:buClr>
-              <a:buSzPts val="5800"/>
-              <a:buFont typeface="Raleway ExtraBold"/>
-              <a:buNone/>
-              <a:defRPr sz="5800">
-                <a:solidFill>
-                  <a:srgbClr val="434343"/>
-                </a:solidFill>
-                <a:latin typeface="Raleway ExtraBold"/>
-                <a:ea typeface="Raleway ExtraBold"/>
-                <a:cs typeface="Raleway ExtraBold"/>
-                <a:sym typeface="Raleway ExtraBold"/>
-              </a:defRPr>
-            </a:lvl6pPr>
-            <a:lvl7pPr lvl="6">
-              <a:spcBef>
-                <a:spcPts val="0"/>
-              </a:spcBef>
-              <a:buClr>
-                <a:srgbClr val="434343"/>
-              </a:buClr>
-              <a:buSzPts val="5800"/>
-              <a:buFont typeface="Raleway ExtraBold"/>
-              <a:buNone/>
-              <a:defRPr sz="5800">
-                <a:solidFill>
-                  <a:srgbClr val="434343"/>
-                </a:solidFill>
-                <a:latin typeface="Raleway ExtraBold"/>
-                <a:ea typeface="Raleway ExtraBold"/>
-                <a:cs typeface="Raleway ExtraBold"/>
-                <a:sym typeface="Raleway ExtraBold"/>
-              </a:defRPr>
-            </a:lvl7pPr>
-            <a:lvl8pPr lvl="7">
-              <a:spcBef>
-                <a:spcPts val="0"/>
-              </a:spcBef>
-              <a:buClr>
-                <a:srgbClr val="434343"/>
-              </a:buClr>
-              <a:buSzPts val="5800"/>
-              <a:buFont typeface="Raleway ExtraBold"/>
-              <a:buNone/>
-              <a:defRPr sz="5800">
-                <a:solidFill>
-                  <a:srgbClr val="434343"/>
-                </a:solidFill>
-                <a:latin typeface="Raleway ExtraBold"/>
-                <a:ea typeface="Raleway ExtraBold"/>
-                <a:cs typeface="Raleway ExtraBold"/>
-                <a:sym typeface="Raleway ExtraBold"/>
-              </a:defRPr>
-            </a:lvl8pPr>
-            <a:lvl9pPr lvl="8">
-              <a:spcBef>
-                <a:spcPts val="0"/>
-              </a:spcBef>
-              <a:buClr>
-                <a:srgbClr val="434343"/>
-              </a:buClr>
-              <a:buSzPts val="5800"/>
-              <a:buFont typeface="Raleway ExtraBold"/>
-              <a:buNone/>
-              <a:defRPr sz="5800">
-                <a:solidFill>
-                  <a:srgbClr val="434343"/>
-                </a:solidFill>
-                <a:latin typeface="Raleway ExtraBold"/>
-                <a:ea typeface="Raleway ExtraBold"/>
-                <a:cs typeface="Raleway ExtraBold"/>
-                <a:sym typeface="Raleway ExtraBold"/>
-              </a:defRPr>
-            </a:lvl9pPr>
-          </a:lstStyle>
-          <a:p>
-            <a:r>
-              <a:rPr lang="en" sz="3000" dirty="0" smtClean="0">
-                <a:solidFill>
-                  <a:schemeClr val="tx1"/>
-                </a:solidFill>
-                <a:latin typeface="Arial" pitchFamily="34" charset="0"/>
-                <a:cs typeface="Arial" pitchFamily="34" charset="0"/>
-              </a:rPr>
-              <a:t>Tài liệu tham khảo</a:t>
-            </a:r>
-            <a:endParaRPr lang="en" sz="3000" dirty="0">
-              <a:solidFill>
-                <a:schemeClr val="tx1"/>
-              </a:solidFill>
-              <a:latin typeface="Arial" pitchFamily="34" charset="0"/>
-              <a:cs typeface="Arial" pitchFamily="34" charset="0"/>
-            </a:endParaRPr>
-          </a:p>
-        </p:txBody>
-      </p:sp>
-      <p:sp>
-        <p:nvSpPr>
-          <p:cNvPr id="3" name="TextBox 2"/>
-          <p:cNvSpPr txBox="1"/>
-          <p:nvPr/>
-        </p:nvSpPr>
-        <p:spPr>
-          <a:xfrm>
-            <a:off x="625231" y="1275606"/>
-            <a:ext cx="7885384" cy="1938992"/>
-          </a:xfrm>
-          <a:prstGeom prst="rect">
-            <a:avLst/>
-          </a:prstGeom>
-          <a:noFill/>
-        </p:spPr>
-        <p:txBody>
-          <a:bodyPr wrap="square" rtlCol="0">
-            <a:spAutoFit/>
-          </a:bodyPr>
-          <a:lstStyle/>
-          <a:p>
-            <a:pPr>
-              <a:lnSpc>
-                <a:spcPct val="150000"/>
-              </a:lnSpc>
-            </a:pPr>
-            <a:r>
-              <a:rPr lang="en-US" sz="2000" dirty="0" smtClean="0">
-                <a:latin typeface="Arial" pitchFamily="34" charset="0"/>
-                <a:cs typeface="Arial" pitchFamily="34" charset="0"/>
-              </a:rPr>
-              <a:t>[1] Slide </a:t>
-            </a:r>
-            <a:r>
-              <a:rPr lang="en-US" sz="2000" dirty="0" err="1" smtClean="0">
-                <a:latin typeface="Arial" pitchFamily="34" charset="0"/>
-                <a:cs typeface="Arial" pitchFamily="34" charset="0"/>
-              </a:rPr>
-              <a:t>Công</a:t>
-            </a:r>
-            <a:r>
-              <a:rPr lang="en-US" sz="2000" dirty="0" smtClean="0">
-                <a:latin typeface="Arial" pitchFamily="34" charset="0"/>
-                <a:cs typeface="Arial" pitchFamily="34" charset="0"/>
-              </a:rPr>
-              <a:t> </a:t>
-            </a:r>
-            <a:r>
-              <a:rPr lang="en-US" sz="2000" dirty="0" err="1" smtClean="0">
-                <a:latin typeface="Arial" pitchFamily="34" charset="0"/>
-                <a:cs typeface="Arial" pitchFamily="34" charset="0"/>
-              </a:rPr>
-              <a:t>nghệ</a:t>
-            </a:r>
-            <a:r>
-              <a:rPr lang="en-US" sz="2000" dirty="0" smtClean="0">
-                <a:latin typeface="Arial" pitchFamily="34" charset="0"/>
-                <a:cs typeface="Arial" pitchFamily="34" charset="0"/>
-              </a:rPr>
-              <a:t> web </a:t>
-            </a:r>
-            <a:r>
-              <a:rPr lang="en-US" sz="2000" dirty="0" err="1" smtClean="0">
-                <a:latin typeface="Arial" pitchFamily="34" charset="0"/>
-                <a:cs typeface="Arial" pitchFamily="34" charset="0"/>
-              </a:rPr>
-              <a:t>và</a:t>
-            </a:r>
-            <a:r>
-              <a:rPr lang="en-US" sz="2000" dirty="0" smtClean="0">
-                <a:latin typeface="Arial" pitchFamily="34" charset="0"/>
-                <a:cs typeface="Arial" pitchFamily="34" charset="0"/>
-              </a:rPr>
-              <a:t> </a:t>
-            </a:r>
-            <a:r>
-              <a:rPr lang="en-US" sz="2000" dirty="0" err="1" smtClean="0">
-                <a:latin typeface="Arial" pitchFamily="34" charset="0"/>
-                <a:cs typeface="Arial" pitchFamily="34" charset="0"/>
-              </a:rPr>
-              <a:t>dịch</a:t>
-            </a:r>
-            <a:r>
-              <a:rPr lang="en-US" sz="2000" dirty="0" smtClean="0">
-                <a:latin typeface="Arial" pitchFamily="34" charset="0"/>
-                <a:cs typeface="Arial" pitchFamily="34" charset="0"/>
-              </a:rPr>
-              <a:t> </a:t>
-            </a:r>
-            <a:r>
-              <a:rPr lang="en-US" sz="2000" dirty="0" err="1" smtClean="0">
-                <a:latin typeface="Arial" pitchFamily="34" charset="0"/>
-                <a:cs typeface="Arial" pitchFamily="34" charset="0"/>
-              </a:rPr>
-              <a:t>vụ</a:t>
-            </a:r>
-            <a:r>
-              <a:rPr lang="en-US" sz="2000" dirty="0" smtClean="0">
-                <a:latin typeface="Arial" pitchFamily="34" charset="0"/>
-                <a:cs typeface="Arial" pitchFamily="34" charset="0"/>
-              </a:rPr>
-              <a:t> </a:t>
-            </a:r>
-            <a:r>
-              <a:rPr lang="en-US" sz="2000" dirty="0" err="1" smtClean="0">
-                <a:latin typeface="Arial" pitchFamily="34" charset="0"/>
-                <a:cs typeface="Arial" pitchFamily="34" charset="0"/>
-              </a:rPr>
-              <a:t>trực</a:t>
-            </a:r>
-            <a:r>
-              <a:rPr lang="en-US" sz="2000" dirty="0" smtClean="0">
-                <a:latin typeface="Arial" pitchFamily="34" charset="0"/>
-                <a:cs typeface="Arial" pitchFamily="34" charset="0"/>
-              </a:rPr>
-              <a:t> </a:t>
-            </a:r>
-            <a:r>
-              <a:rPr lang="en-US" sz="2000" dirty="0" err="1" smtClean="0">
-                <a:latin typeface="Arial" pitchFamily="34" charset="0"/>
-                <a:cs typeface="Arial" pitchFamily="34" charset="0"/>
-              </a:rPr>
-              <a:t>tuyến</a:t>
-            </a:r>
-            <a:r>
-              <a:rPr lang="en-US" sz="2000" dirty="0" smtClean="0">
-                <a:latin typeface="Arial" pitchFamily="34" charset="0"/>
-                <a:cs typeface="Arial" pitchFamily="34" charset="0"/>
-              </a:rPr>
-              <a:t>.</a:t>
-            </a:r>
-            <a:endParaRPr lang="en-US" sz="2000" dirty="0">
-              <a:latin typeface="Arial" pitchFamily="34" charset="0"/>
-              <a:cs typeface="Arial" pitchFamily="34" charset="0"/>
-            </a:endParaRPr>
-          </a:p>
-          <a:p>
-            <a:pPr>
-              <a:lnSpc>
-                <a:spcPct val="150000"/>
-              </a:lnSpc>
-            </a:pPr>
-            <a:r>
-              <a:rPr lang="en-US" sz="2000" dirty="0" smtClean="0">
-                <a:latin typeface="Arial" pitchFamily="34" charset="0"/>
-                <a:cs typeface="Arial" pitchFamily="34" charset="0"/>
-              </a:rPr>
-              <a:t>[2] W3school.com</a:t>
-            </a:r>
-          </a:p>
-          <a:p>
-            <a:pPr>
-              <a:lnSpc>
-                <a:spcPct val="150000"/>
-              </a:lnSpc>
-            </a:pPr>
-            <a:r>
-              <a:rPr lang="en-US" sz="2000" dirty="0" smtClean="0">
-                <a:latin typeface="Arial" pitchFamily="34" charset="0"/>
-                <a:cs typeface="Arial" pitchFamily="34" charset="0"/>
-              </a:rPr>
-              <a:t>[3] Zing.vn</a:t>
-            </a:r>
-          </a:p>
-          <a:p>
-            <a:pPr>
-              <a:lnSpc>
-                <a:spcPct val="150000"/>
-              </a:lnSpc>
-            </a:pPr>
-            <a:r>
-              <a:rPr lang="en-US" sz="2000" dirty="0" smtClean="0">
-                <a:latin typeface="Arial" pitchFamily="34" charset="0"/>
-                <a:cs typeface="Arial" pitchFamily="34" charset="0"/>
-              </a:rPr>
-              <a:t>[4] Laravel.com</a:t>
-            </a:r>
-            <a:endParaRPr lang="en-US" sz="2000" dirty="0">
-              <a:latin typeface="Arial" pitchFamily="34" charset="0"/>
-              <a:cs typeface="Arial" pitchFamily="34" charset="0"/>
-            </a:endParaRPr>
-          </a:p>
-        </p:txBody>
-      </p:sp>
-      <p:sp>
-        <p:nvSpPr>
-          <p:cNvPr id="2" name="Slide Number Placeholder 1"/>
-          <p:cNvSpPr>
-            <a:spLocks noGrp="1"/>
-          </p:cNvSpPr>
-          <p:nvPr>
-            <p:ph type="sldNum" idx="12"/>
-          </p:nvPr>
-        </p:nvSpPr>
-        <p:spPr/>
-        <p:txBody>
-          <a:bodyPr/>
-          <a:lstStyle/>
-          <a:p>
-            <a:pPr marL="0" lvl="0" indent="0">
-              <a:spcBef>
-                <a:spcPts val="0"/>
-              </a:spcBef>
-              <a:spcAft>
-                <a:spcPts val="0"/>
-              </a:spcAft>
-              <a:buNone/>
-            </a:pPr>
-            <a:fld id="{00000000-1234-1234-1234-123412341234}" type="slidenum">
-              <a:rPr lang="en" smtClean="0"/>
-              <a:t>9</a:t>
-            </a:fld>
-            <a:endParaRPr lang="en"/>
-          </a:p>
-        </p:txBody>
-      </p:sp>
-    </p:spTree>
-    <p:extLst>
-      <p:ext uri="{BB962C8B-B14F-4D97-AF65-F5344CB8AC3E}">
-        <p14:creationId xmlns:p14="http://schemas.microsoft.com/office/powerpoint/2010/main" val="347796838"/>
       </p:ext>
     </p:extLst>
   </p:cSld>
